--- a/Documentation/Component_Diagram.pptx
+++ b/Documentation/Component_Diagram.pptx
@@ -6,6 +6,7 @@
   </p:sldMasterIdLst>
   <p:sldIdLst>
     <p:sldId id="256" r:id="rId2"/>
+    <p:sldId id="257" r:id="rId3"/>
   </p:sldIdLst>
   <p:sldSz cx="11430000" cy="13076238"/>
   <p:notesSz cx="6858000" cy="9144000"/>
@@ -104,6 +105,11 @@
       </a:defRPr>
     </a:lvl9pPr>
   </p:defaultTextStyle>
+  <p:extLst>
+    <p:ext uri="{EFAFB233-063F-42B5-8137-9DF3F51BA10A}">
+      <p15:sldGuideLst xmlns:p15="http://schemas.microsoft.com/office/powerpoint/2012/main"/>
+    </p:ext>
+  </p:extLst>
 </p:presentation>
 </file>
 
@@ -3520,6 +3526,378 @@
 </p:sld>
 </file>
 
+<file path=ppt/slides/slide2.xml><?xml version="1.0" encoding="utf-8"?>
+<p:sld xmlns:a="http://schemas.openxmlformats.org/drawingml/2006/main" xmlns:r="http://schemas.openxmlformats.org/officeDocument/2006/relationships" xmlns:p="http://schemas.openxmlformats.org/presentationml/2006/main">
+  <p:cSld>
+    <p:spTree>
+      <p:nvGrpSpPr>
+        <p:cNvPr id="1" name=""/>
+        <p:cNvGrpSpPr/>
+        <p:nvPr/>
+      </p:nvGrpSpPr>
+      <p:grpSpPr>
+        <a:xfrm>
+          <a:off x="0" y="0"/>
+          <a:ext cx="0" cy="0"/>
+          <a:chOff x="0" y="0"/>
+          <a:chExt cx="0" cy="0"/>
+        </a:xfrm>
+      </p:grpSpPr>
+      <p:sp>
+        <p:nvSpPr>
+          <p:cNvPr id="2" name="Rectangle: Rounded Corners 1">
+            <a:extLst>
+              <a:ext uri="{FF2B5EF4-FFF2-40B4-BE49-F238E27FC236}">
+                <a16:creationId xmlns:a16="http://schemas.microsoft.com/office/drawing/2014/main" id="{741E03DF-96B4-4ECD-B85A-9253BD886FC2}"/>
+              </a:ext>
+            </a:extLst>
+          </p:cNvPr>
+          <p:cNvSpPr/>
+          <p:nvPr/>
+        </p:nvSpPr>
+        <p:spPr>
+          <a:xfrm>
+            <a:off x="1033670" y="3366052"/>
+            <a:ext cx="1974573" cy="1007166"/>
+          </a:xfrm>
+          <a:prstGeom prst="roundRect">
+            <a:avLst/>
+          </a:prstGeom>
+          <a:solidFill>
+            <a:srgbClr val="00B0F0"/>
+          </a:solidFill>
+        </p:spPr>
+        <p:style>
+          <a:lnRef idx="2">
+            <a:schemeClr val="accent1">
+              <a:shade val="50000"/>
+            </a:schemeClr>
+          </a:lnRef>
+          <a:fillRef idx="1">
+            <a:schemeClr val="accent1"/>
+          </a:fillRef>
+          <a:effectRef idx="0">
+            <a:schemeClr val="accent1"/>
+          </a:effectRef>
+          <a:fontRef idx="minor">
+            <a:schemeClr val="lt1"/>
+          </a:fontRef>
+        </p:style>
+        <p:txBody>
+          <a:bodyPr rtlCol="0" anchor="ctr"/>
+          <a:lstStyle/>
+          <a:p>
+            <a:pPr algn="ctr"/>
+            <a:r>
+              <a:rPr lang="en-US" b="1" dirty="0">
+                <a:latin typeface="Bahnschrift" panose="020B0502040204020203" pitchFamily="34" charset="0"/>
+              </a:rPr>
+              <a:t>Coral Board</a:t>
+            </a:r>
+            <a:endParaRPr lang="de-DE" b="1" dirty="0">
+              <a:latin typeface="Bahnschrift" panose="020B0502040204020203" pitchFamily="34" charset="0"/>
+            </a:endParaRPr>
+          </a:p>
+        </p:txBody>
+      </p:sp>
+      <p:sp>
+        <p:nvSpPr>
+          <p:cNvPr id="18" name="Rectangle: Rounded Corners 17">
+            <a:extLst>
+              <a:ext uri="{FF2B5EF4-FFF2-40B4-BE49-F238E27FC236}">
+                <a16:creationId xmlns:a16="http://schemas.microsoft.com/office/drawing/2014/main" id="{32CA9513-B628-4BF2-B501-84F7B4137F9D}"/>
+              </a:ext>
+            </a:extLst>
+          </p:cNvPr>
+          <p:cNvSpPr/>
+          <p:nvPr/>
+        </p:nvSpPr>
+        <p:spPr>
+          <a:xfrm>
+            <a:off x="5378395" y="3366052"/>
+            <a:ext cx="1974573" cy="1007166"/>
+          </a:xfrm>
+          <a:prstGeom prst="roundRect">
+            <a:avLst/>
+          </a:prstGeom>
+          <a:solidFill>
+            <a:srgbClr val="00B0F0"/>
+          </a:solidFill>
+        </p:spPr>
+        <p:style>
+          <a:lnRef idx="2">
+            <a:schemeClr val="accent1">
+              <a:shade val="50000"/>
+            </a:schemeClr>
+          </a:lnRef>
+          <a:fillRef idx="1">
+            <a:schemeClr val="accent1"/>
+          </a:fillRef>
+          <a:effectRef idx="0">
+            <a:schemeClr val="accent1"/>
+          </a:effectRef>
+          <a:fontRef idx="minor">
+            <a:schemeClr val="lt1"/>
+          </a:fontRef>
+        </p:style>
+        <p:txBody>
+          <a:bodyPr rtlCol="0" anchor="ctr"/>
+          <a:lstStyle/>
+          <a:p>
+            <a:pPr algn="ctr"/>
+            <a:r>
+              <a:rPr lang="en-US" b="1" dirty="0">
+                <a:latin typeface="Bahnschrift" panose="020B0502040204020203" pitchFamily="34" charset="0"/>
+              </a:rPr>
+              <a:t>KL43Z</a:t>
+            </a:r>
+            <a:endParaRPr lang="de-DE" b="1" dirty="0">
+              <a:latin typeface="Bahnschrift" panose="020B0502040204020203" pitchFamily="34" charset="0"/>
+            </a:endParaRPr>
+          </a:p>
+        </p:txBody>
+      </p:sp>
+      <p:sp>
+        <p:nvSpPr>
+          <p:cNvPr id="19" name="Rectangle: Rounded Corners 18">
+            <a:extLst>
+              <a:ext uri="{FF2B5EF4-FFF2-40B4-BE49-F238E27FC236}">
+                <a16:creationId xmlns:a16="http://schemas.microsoft.com/office/drawing/2014/main" id="{6DC10305-654B-4665-BF0A-9189E920F68D}"/>
+              </a:ext>
+            </a:extLst>
+          </p:cNvPr>
+          <p:cNvSpPr/>
+          <p:nvPr/>
+        </p:nvSpPr>
+        <p:spPr>
+          <a:xfrm>
+            <a:off x="5961713" y="2677803"/>
+            <a:ext cx="1974573" cy="1007166"/>
+          </a:xfrm>
+          <a:prstGeom prst="roundRect">
+            <a:avLst/>
+          </a:prstGeom>
+          <a:solidFill>
+            <a:srgbClr val="00B0F0"/>
+          </a:solidFill>
+        </p:spPr>
+        <p:style>
+          <a:lnRef idx="2">
+            <a:schemeClr val="accent1">
+              <a:shade val="50000"/>
+            </a:schemeClr>
+          </a:lnRef>
+          <a:fillRef idx="1">
+            <a:schemeClr val="accent1"/>
+          </a:fillRef>
+          <a:effectRef idx="0">
+            <a:schemeClr val="accent1"/>
+          </a:effectRef>
+          <a:fontRef idx="minor">
+            <a:schemeClr val="lt1"/>
+          </a:fontRef>
+        </p:style>
+        <p:txBody>
+          <a:bodyPr rtlCol="0" anchor="ctr"/>
+          <a:lstStyle/>
+          <a:p>
+            <a:pPr algn="ctr"/>
+            <a:r>
+              <a:rPr lang="en-US" b="1" dirty="0">
+                <a:latin typeface="Bahnschrift" panose="020B0502040204020203" pitchFamily="34" charset="0"/>
+              </a:rPr>
+              <a:t>OL2385</a:t>
+            </a:r>
+            <a:endParaRPr lang="de-DE" b="1" dirty="0">
+              <a:latin typeface="Bahnschrift" panose="020B0502040204020203" pitchFamily="34" charset="0"/>
+            </a:endParaRPr>
+          </a:p>
+        </p:txBody>
+      </p:sp>
+      <p:cxnSp>
+        <p:nvCxnSpPr>
+          <p:cNvPr id="4" name="Straight Arrow Connector 3">
+            <a:extLst>
+              <a:ext uri="{FF2B5EF4-FFF2-40B4-BE49-F238E27FC236}">
+                <a16:creationId xmlns:a16="http://schemas.microsoft.com/office/drawing/2014/main" id="{B39E6F93-4916-4A49-9FA3-E6BAEE171DCE}"/>
+              </a:ext>
+            </a:extLst>
+          </p:cNvPr>
+          <p:cNvCxnSpPr>
+            <a:stCxn id="2" idx="3"/>
+            <a:endCxn id="18" idx="1"/>
+          </p:cNvCxnSpPr>
+          <p:nvPr/>
+        </p:nvCxnSpPr>
+        <p:spPr>
+          <a:xfrm>
+            <a:off x="3008243" y="3869635"/>
+            <a:ext cx="2370152" cy="0"/>
+          </a:xfrm>
+          <a:prstGeom prst="straightConnector1">
+            <a:avLst/>
+          </a:prstGeom>
+          <a:ln w="57150">
+            <a:solidFill>
+              <a:srgbClr val="FF0000"/>
+            </a:solidFill>
+            <a:tailEnd type="triangle"/>
+          </a:ln>
+        </p:spPr>
+        <p:style>
+          <a:lnRef idx="1">
+            <a:schemeClr val="accent1"/>
+          </a:lnRef>
+          <a:fillRef idx="0">
+            <a:schemeClr val="accent1"/>
+          </a:fillRef>
+          <a:effectRef idx="0">
+            <a:schemeClr val="accent1"/>
+          </a:effectRef>
+          <a:fontRef idx="minor">
+            <a:schemeClr val="tx1"/>
+          </a:fontRef>
+        </p:style>
+      </p:cxnSp>
+      <p:sp>
+        <p:nvSpPr>
+          <p:cNvPr id="9" name="TextBox 8">
+            <a:extLst>
+              <a:ext uri="{FF2B5EF4-FFF2-40B4-BE49-F238E27FC236}">
+                <a16:creationId xmlns:a16="http://schemas.microsoft.com/office/drawing/2014/main" id="{0337CD35-7341-4A9B-81E8-E6067AC1D7E0}"/>
+              </a:ext>
+            </a:extLst>
+          </p:cNvPr>
+          <p:cNvSpPr txBox="1"/>
+          <p:nvPr/>
+        </p:nvSpPr>
+        <p:spPr>
+          <a:xfrm>
+            <a:off x="3065116" y="3500303"/>
+            <a:ext cx="1729961" cy="369332"/>
+          </a:xfrm>
+          <a:prstGeom prst="rect">
+            <a:avLst/>
+          </a:prstGeom>
+          <a:noFill/>
+        </p:spPr>
+        <p:txBody>
+          <a:bodyPr wrap="none" rtlCol="0">
+            <a:spAutoFit/>
+          </a:bodyPr>
+          <a:lstStyle/>
+          <a:p>
+            <a:r>
+              <a:rPr lang="en-US" b="1" dirty="0">
+                <a:latin typeface="Bahnschrift" panose="020B0502040204020203" pitchFamily="34" charset="0"/>
+              </a:rPr>
+              <a:t>UART over USB</a:t>
+            </a:r>
+            <a:endParaRPr lang="de-DE" b="1" dirty="0">
+              <a:latin typeface="Bahnschrift" panose="020B0502040204020203" pitchFamily="34" charset="0"/>
+            </a:endParaRPr>
+          </a:p>
+        </p:txBody>
+      </p:sp>
+      <p:cxnSp>
+        <p:nvCxnSpPr>
+          <p:cNvPr id="30" name="Straight Arrow Connector 29">
+            <a:extLst>
+              <a:ext uri="{FF2B5EF4-FFF2-40B4-BE49-F238E27FC236}">
+                <a16:creationId xmlns:a16="http://schemas.microsoft.com/office/drawing/2014/main" id="{DCCA545D-0527-46B9-94A0-36D4F77B12BA}"/>
+              </a:ext>
+            </a:extLst>
+          </p:cNvPr>
+          <p:cNvCxnSpPr>
+            <a:cxnSpLocks/>
+            <a:stCxn id="18" idx="1"/>
+            <a:endCxn id="19" idx="1"/>
+          </p:cNvCxnSpPr>
+          <p:nvPr/>
+        </p:nvCxnSpPr>
+        <p:spPr>
+          <a:xfrm flipV="1">
+            <a:off x="5378395" y="3181386"/>
+            <a:ext cx="583318" cy="688249"/>
+          </a:xfrm>
+          <a:prstGeom prst="straightConnector1">
+            <a:avLst/>
+          </a:prstGeom>
+          <a:ln w="57150">
+            <a:solidFill>
+              <a:srgbClr val="FF0000"/>
+            </a:solidFill>
+            <a:tailEnd type="triangle"/>
+          </a:ln>
+        </p:spPr>
+        <p:style>
+          <a:lnRef idx="1">
+            <a:schemeClr val="accent1"/>
+          </a:lnRef>
+          <a:fillRef idx="0">
+            <a:schemeClr val="accent1"/>
+          </a:fillRef>
+          <a:effectRef idx="0">
+            <a:schemeClr val="accent1"/>
+          </a:effectRef>
+          <a:fontRef idx="minor">
+            <a:schemeClr val="tx1"/>
+          </a:fontRef>
+        </p:style>
+      </p:cxnSp>
+      <p:sp>
+        <p:nvSpPr>
+          <p:cNvPr id="27" name="TextBox 26">
+            <a:extLst>
+              <a:ext uri="{FF2B5EF4-FFF2-40B4-BE49-F238E27FC236}">
+                <a16:creationId xmlns:a16="http://schemas.microsoft.com/office/drawing/2014/main" id="{7E8601C8-B2F2-4EB4-BFDF-B7FAE299F873}"/>
+              </a:ext>
+            </a:extLst>
+          </p:cNvPr>
+          <p:cNvSpPr txBox="1"/>
+          <p:nvPr/>
+        </p:nvSpPr>
+        <p:spPr>
+          <a:xfrm>
+            <a:off x="5468288" y="2904387"/>
+            <a:ext cx="535724" cy="369332"/>
+          </a:xfrm>
+          <a:prstGeom prst="rect">
+            <a:avLst/>
+          </a:prstGeom>
+          <a:noFill/>
+        </p:spPr>
+        <p:txBody>
+          <a:bodyPr wrap="none" rtlCol="0">
+            <a:spAutoFit/>
+          </a:bodyPr>
+          <a:lstStyle/>
+          <a:p>
+            <a:r>
+              <a:rPr lang="en-US" b="1" dirty="0">
+                <a:latin typeface="Bahnschrift" panose="020B0502040204020203" pitchFamily="34" charset="0"/>
+              </a:rPr>
+              <a:t>SPI</a:t>
+            </a:r>
+            <a:endParaRPr lang="de-DE" b="1" dirty="0">
+              <a:latin typeface="Bahnschrift" panose="020B0502040204020203" pitchFamily="34" charset="0"/>
+            </a:endParaRPr>
+          </a:p>
+        </p:txBody>
+      </p:sp>
+    </p:spTree>
+    <p:extLst>
+      <p:ext uri="{BB962C8B-B14F-4D97-AF65-F5344CB8AC3E}">
+        <p14:creationId xmlns:p14="http://schemas.microsoft.com/office/powerpoint/2010/main" val="1830060528"/>
+      </p:ext>
+    </p:extLst>
+  </p:cSld>
+  <p:clrMapOvr>
+    <a:masterClrMapping/>
+  </p:clrMapOvr>
+</p:sld>
+</file>
+
 <file path=ppt/theme/theme1.xml><?xml version="1.0" encoding="utf-8"?>
 <a:theme xmlns:a="http://schemas.openxmlformats.org/drawingml/2006/main" name="Office Theme">
   <a:themeElements>
